--- a/Materialy_k_9.konz/prezentace.pptx
+++ b/Materialy_k_9.konz/prezentace.pptx
@@ -5943,7 +5943,7 @@
             </a:r>
             <a:r>
               <a:rPr lang="cs-CZ" dirty="0"/>
-              <a:t> - D</a:t>
+              <a:t> - E</a:t>
             </a:r>
           </a:p>
         </p:txBody>
